--- a/1- Analisis/1- Presentación/01 - Versión_2/Presentación_Componente_Metodologico_2.pptx
+++ b/1- Analisis/1- Presentación/01 - Versión_2/Presentación_Componente_Metodologico_2.pptx
@@ -22098,7 +22098,7 @@
         <p:push dir="r"/>
       </p:transition>
     </mc:Choice>
-    <mc:Fallback xmlns:p15="http://schemas.microsoft.com/office/powerpoint/2012/main" xmlns:com="http://schemas.openxmlformats.org/drawingml/2006/compatibility" xmlns:pvml="urn:schemas-microsoft-com:office:powerpoint" xmlns:v="urn:schemas-microsoft-com:vml" xmlns:o="urn:schemas-microsoft-com:office:office" xmlns:dgm="http://schemas.openxmlformats.org/drawingml/2006/diagram" xmlns:c="http://schemas.openxmlformats.org/drawingml/2006/chart" xmlns:mv="urn:schemas-microsoft-com:mac:vml" xmlns="">
+    <mc:Fallback xmlns="" xmlns:mv="urn:schemas-microsoft-com:mac:vml" xmlns:c="http://schemas.openxmlformats.org/drawingml/2006/chart" xmlns:dgm="http://schemas.openxmlformats.org/drawingml/2006/diagram" xmlns:o="urn:schemas-microsoft-com:office:office" xmlns:v="urn:schemas-microsoft-com:vml" xmlns:pvml="urn:schemas-microsoft-com:office:powerpoint" xmlns:com="http://schemas.openxmlformats.org/drawingml/2006/compatibility" xmlns:p15="http://schemas.microsoft.com/office/powerpoint/2012/main">
       <p:transition spd="slow">
         <p:fade/>
       </p:transition>
@@ -23657,7 +23657,7 @@
         <p:push dir="r"/>
       </p:transition>
     </mc:Choice>
-    <mc:Fallback xmlns:p15="http://schemas.microsoft.com/office/powerpoint/2012/main" xmlns:com="http://schemas.openxmlformats.org/drawingml/2006/compatibility" xmlns:pvml="urn:schemas-microsoft-com:office:powerpoint" xmlns:v="urn:schemas-microsoft-com:vml" xmlns:o="urn:schemas-microsoft-com:office:office" xmlns:dgm="http://schemas.openxmlformats.org/drawingml/2006/diagram" xmlns:c="http://schemas.openxmlformats.org/drawingml/2006/chart" xmlns:mv="urn:schemas-microsoft-com:mac:vml" xmlns="">
+    <mc:Fallback xmlns="" xmlns:mv="urn:schemas-microsoft-com:mac:vml" xmlns:c="http://schemas.openxmlformats.org/drawingml/2006/chart" xmlns:dgm="http://schemas.openxmlformats.org/drawingml/2006/diagram" xmlns:o="urn:schemas-microsoft-com:office:office" xmlns:v="urn:schemas-microsoft-com:vml" xmlns:pvml="urn:schemas-microsoft-com:office:powerpoint" xmlns:com="http://schemas.openxmlformats.org/drawingml/2006/compatibility" xmlns:p15="http://schemas.microsoft.com/office/powerpoint/2012/main">
       <p:transition spd="slow">
         <p:fade/>
       </p:transition>
@@ -25625,36 +25625,32 @@
       </p:sp>
       <p:pic>
         <p:nvPicPr>
-          <p:cNvPr id="218" name="Google Shape;218;p41"/>
-          <p:cNvPicPr preferRelativeResize="0"/>
+          <p:cNvPr id="3" name="Imagen 2">
+            <a:extLst>
+              <a:ext uri="{FF2B5EF4-FFF2-40B4-BE49-F238E27FC236}">
+                <a16:creationId xmlns:a16="http://schemas.microsoft.com/office/drawing/2014/main" id="{8FC1E856-D711-434E-862D-3BB4BA0CC94A}"/>
+              </a:ext>
+            </a:extLst>
+          </p:cNvPr>
+          <p:cNvPicPr>
+            <a:picLocks noChangeAspect="1"/>
+          </p:cNvPicPr>
           <p:nvPr/>
         </p:nvPicPr>
         <p:blipFill>
-          <a:blip r:embed="rId3">
-            <a:alphaModFix/>
-          </a:blip>
+          <a:blip r:embed="rId3"/>
           <a:stretch>
             <a:fillRect/>
           </a:stretch>
         </p:blipFill>
         <p:spPr>
           <a:xfrm>
-            <a:off x="5916925" y="2704875"/>
-            <a:ext cx="1858900" cy="1844525"/>
+            <a:off x="5938684" y="2689737"/>
+            <a:ext cx="1573161" cy="1573161"/>
           </a:xfrm>
           <a:prstGeom prst="rect">
             <a:avLst/>
           </a:prstGeom>
-          <a:noFill/>
-          <a:ln w="9525" cap="flat" cmpd="sng">
-            <a:solidFill>
-              <a:srgbClr val="F3F3F3"/>
-            </a:solidFill>
-            <a:prstDash val="solid"/>
-            <a:round/>
-            <a:headEnd type="none" w="sm" len="sm"/>
-            <a:tailEnd type="none" w="sm" len="sm"/>
-          </a:ln>
         </p:spPr>
       </p:pic>
     </p:spTree>

--- a/1- Analisis/1- Presentación/01 - Versión_2/Presentación_Componente_Metodologico_2.pptx
+++ b/1- Analisis/1- Presentación/01 - Versión_2/Presentación_Componente_Metodologico_2.pptx
@@ -24517,7 +24517,31 @@
                 <a:cs typeface="Calibri"/>
                 <a:sym typeface="Calibri"/>
               </a:rPr>
-              <a:t>Trimestre 1| </a:t>
+              <a:t>Trimestre </a:t>
+            </a:r>
+            <a:r>
+              <a:rPr lang="es-CO" sz="3000" b="1" i="0" u="none" strike="noStrike" cap="none" dirty="0">
+                <a:solidFill>
+                  <a:srgbClr val="31859B"/>
+                </a:solidFill>
+                <a:latin typeface="Calibri"/>
+                <a:ea typeface="Calibri"/>
+                <a:cs typeface="Calibri"/>
+                <a:sym typeface="Calibri"/>
+              </a:rPr>
+              <a:t>I</a:t>
+            </a:r>
+            <a:r>
+              <a:rPr lang="es" sz="3000" b="1" i="0" u="none" strike="noStrike" cap="none" dirty="0">
+                <a:solidFill>
+                  <a:srgbClr val="31859B"/>
+                </a:solidFill>
+                <a:latin typeface="Calibri"/>
+                <a:ea typeface="Calibri"/>
+                <a:cs typeface="Calibri"/>
+                <a:sym typeface="Calibri"/>
+              </a:rPr>
+              <a:t>| </a:t>
             </a:r>
             <a:r>
               <a:rPr lang="es" sz="3000" b="1" dirty="0">
@@ -24553,7 +24577,7 @@
                 <a:cs typeface="Calibri"/>
                 <a:sym typeface="Calibri"/>
               </a:rPr>
-              <a:t>1803170 G3</a:t>
+              <a:t>1803170</a:t>
             </a:r>
             <a:r>
               <a:rPr lang="es" sz="3000" b="1" i="0" u="none" strike="noStrike" cap="none" dirty="0">
@@ -25606,13 +25630,31 @@
               <a:buChar char="●"/>
             </a:pPr>
             <a:r>
-              <a:rPr lang="es" sz="2000">
+              <a:rPr lang="es" sz="2000" dirty="0">
                 <a:latin typeface="Times New Roman"/>
                 <a:ea typeface="Times New Roman"/>
                 <a:cs typeface="Times New Roman"/>
                 <a:sym typeface="Times New Roman"/>
               </a:rPr>
-              <a:t>Vladimir Buitrago </a:t>
+              <a:t>Vladimir </a:t>
+            </a:r>
+            <a:r>
+              <a:rPr lang="es-CO" sz="2000" dirty="0">
+                <a:latin typeface="Times New Roman"/>
+                <a:ea typeface="Times New Roman"/>
+                <a:cs typeface="Times New Roman"/>
+                <a:sym typeface="Times New Roman"/>
+              </a:rPr>
+              <a:t>Alberto</a:t>
+            </a:r>
+            <a:r>
+              <a:rPr lang="es" sz="2000" dirty="0">
+                <a:latin typeface="Times New Roman"/>
+                <a:ea typeface="Times New Roman"/>
+                <a:cs typeface="Times New Roman"/>
+                <a:sym typeface="Times New Roman"/>
+              </a:rPr>
+              <a:t> Buitrago </a:t>
             </a:r>
             <a:endParaRPr sz="2000" dirty="0">
               <a:latin typeface="Times New Roman"/>
@@ -25625,10 +25667,10 @@
       </p:sp>
       <p:pic>
         <p:nvPicPr>
-          <p:cNvPr id="3" name="Imagen 2">
+          <p:cNvPr id="4" name="Imagen 3">
             <a:extLst>
               <a:ext uri="{FF2B5EF4-FFF2-40B4-BE49-F238E27FC236}">
-                <a16:creationId xmlns:a16="http://schemas.microsoft.com/office/drawing/2014/main" id="{8FC1E856-D711-434E-862D-3BB4BA0CC94A}"/>
+                <a16:creationId xmlns:a16="http://schemas.microsoft.com/office/drawing/2014/main" id="{D554E87D-54C2-4FE3-A18B-79F7375DC92B}"/>
               </a:ext>
             </a:extLst>
           </p:cNvPr>
@@ -25645,8 +25687,8 @@
         </p:blipFill>
         <p:spPr>
           <a:xfrm>
-            <a:off x="5938684" y="2689737"/>
-            <a:ext cx="1573161" cy="1573161"/>
+            <a:off x="5918449" y="2571750"/>
+            <a:ext cx="1556239" cy="1556239"/>
           </a:xfrm>
           <a:prstGeom prst="rect">
             <a:avLst/>
